--- a/morse_light.pptx
+++ b/morse_light.pptx
@@ -3396,14 +3396,6 @@
   <p:clrMapOvr>
     <a:masterClrMapping/>
   </p:clrMapOvr>
-  <mc:AlternateContent xmlns:mc="http://schemas.openxmlformats.org/markup-compatibility/2006">
-    <mc:Choice xmlns:p14="http://schemas.microsoft.com/office/powerpoint/2010/main" Requires="p14">
-      <p:transition spd="slow" p14:dur="2000" advTm="1000"/>
-    </mc:Choice>
-    <mc:Fallback>
-      <p:transition spd="slow" advTm="1000"/>
-    </mc:Fallback>
-  </mc:AlternateContent>
 </p:sld>
 </file>
 
@@ -3472,10 +3464,10 @@
   </p:clrMapOvr>
   <mc:AlternateContent xmlns:mc="http://schemas.openxmlformats.org/markup-compatibility/2006">
     <mc:Choice xmlns:p14="http://schemas.microsoft.com/office/powerpoint/2010/main" Requires="p14">
-      <p:transition spd="slow" p14:dur="2000" advTm="1000"/>
+      <p:transition spd="slow" p14:dur="2000" advTm="5000"/>
     </mc:Choice>
     <mc:Fallback>
-      <p:transition spd="slow" advTm="1000"/>
+      <p:transition spd="slow" advTm="5000"/>
     </mc:Fallback>
   </mc:AlternateContent>
 </p:sld>
@@ -3546,10 +3538,10 @@
   </p:clrMapOvr>
   <mc:AlternateContent xmlns:mc="http://schemas.openxmlformats.org/markup-compatibility/2006">
     <mc:Choice xmlns:p14="http://schemas.microsoft.com/office/powerpoint/2010/main" Requires="p14">
-      <p:transition spd="slow" p14:dur="2000" advTm="1000"/>
+      <p:transition spd="slow" p14:dur="2000" advTm="5000"/>
     </mc:Choice>
     <mc:Fallback>
-      <p:transition spd="slow" advTm="1000"/>
+      <p:transition spd="slow" advTm="5000"/>
     </mc:Fallback>
   </mc:AlternateContent>
 </p:sld>
@@ -3620,10 +3612,10 @@
   </p:clrMapOvr>
   <mc:AlternateContent xmlns:mc="http://schemas.openxmlformats.org/markup-compatibility/2006">
     <mc:Choice xmlns:p14="http://schemas.microsoft.com/office/powerpoint/2010/main" Requires="p14">
-      <p:transition spd="slow" p14:dur="2000" advClick="0" advTm="1000"/>
+      <p:transition spd="slow" p14:dur="2000" advClick="0" advTm="5000"/>
     </mc:Choice>
     <mc:Fallback>
-      <p:transition spd="slow" advClick="0" advTm="1000"/>
+      <p:transition spd="slow" advClick="0" advTm="5000"/>
     </mc:Fallback>
   </mc:AlternateContent>
 </p:sld>
@@ -3694,10 +3686,10 @@
   </p:clrMapOvr>
   <mc:AlternateContent xmlns:mc="http://schemas.openxmlformats.org/markup-compatibility/2006">
     <mc:Choice xmlns:p14="http://schemas.microsoft.com/office/powerpoint/2010/main" Requires="p14">
-      <p:transition spd="slow" p14:dur="2000" advClick="0" advTm="1000"/>
+      <p:transition spd="slow" p14:dur="2000" advClick="0" advTm="5000"/>
     </mc:Choice>
     <mc:Fallback>
-      <p:transition spd="slow" advClick="0" advTm="1000"/>
+      <p:transition spd="slow" advClick="0" advTm="5000"/>
     </mc:Fallback>
   </mc:AlternateContent>
 </p:sld>
@@ -3768,10 +3760,10 @@
   </p:clrMapOvr>
   <mc:AlternateContent xmlns:mc="http://schemas.openxmlformats.org/markup-compatibility/2006">
     <mc:Choice xmlns:p14="http://schemas.microsoft.com/office/powerpoint/2010/main" Requires="p14">
-      <p:transition spd="slow" p14:dur="2000" advTm="1000"/>
+      <p:transition spd="slow" p14:dur="2000" advTm="5000"/>
     </mc:Choice>
     <mc:Fallback>
-      <p:transition spd="slow" advTm="1000"/>
+      <p:transition spd="slow" advTm="5000"/>
     </mc:Fallback>
   </mc:AlternateContent>
 </p:sld>
@@ -3842,10 +3834,10 @@
   </p:clrMapOvr>
   <mc:AlternateContent xmlns:mc="http://schemas.openxmlformats.org/markup-compatibility/2006">
     <mc:Choice xmlns:p14="http://schemas.microsoft.com/office/powerpoint/2010/main" Requires="p14">
-      <p:transition spd="slow" p14:dur="2000" advClick="0" advTm="1000"/>
+      <p:transition spd="slow" p14:dur="2000" advClick="0" advTm="5000"/>
     </mc:Choice>
     <mc:Fallback>
-      <p:transition spd="slow" advClick="0" advTm="1000"/>
+      <p:transition spd="slow" advClick="0" advTm="5000"/>
     </mc:Fallback>
   </mc:AlternateContent>
 </p:sld>
@@ -3916,10 +3908,10 @@
   </p:clrMapOvr>
   <mc:AlternateContent xmlns:mc="http://schemas.openxmlformats.org/markup-compatibility/2006">
     <mc:Choice xmlns:p14="http://schemas.microsoft.com/office/powerpoint/2010/main" Requires="p14">
-      <p:transition spd="slow" p14:dur="2000" advClick="0" advTm="1000"/>
+      <p:transition spd="slow" p14:dur="2000" advClick="0" advTm="5000"/>
     </mc:Choice>
     <mc:Fallback>
-      <p:transition spd="slow" advClick="0" advTm="1000"/>
+      <p:transition spd="slow" advClick="0" advTm="5000"/>
     </mc:Fallback>
   </mc:AlternateContent>
 </p:sld>
@@ -3990,10 +3982,10 @@
   </p:clrMapOvr>
   <mc:AlternateContent xmlns:mc="http://schemas.openxmlformats.org/markup-compatibility/2006">
     <mc:Choice xmlns:p14="http://schemas.microsoft.com/office/powerpoint/2010/main" Requires="p14">
-      <p:transition spd="slow" p14:dur="2000" advTm="1000"/>
+      <p:transition spd="slow" p14:dur="2000" advTm="5000"/>
     </mc:Choice>
     <mc:Fallback>
-      <p:transition spd="slow" advTm="1000"/>
+      <p:transition spd="slow" advTm="5000"/>
     </mc:Fallback>
   </mc:AlternateContent>
 </p:sld>
@@ -4064,10 +4056,10 @@
   </p:clrMapOvr>
   <mc:AlternateContent xmlns:mc="http://schemas.openxmlformats.org/markup-compatibility/2006">
     <mc:Choice xmlns:p14="http://schemas.microsoft.com/office/powerpoint/2010/main" Requires="p14">
-      <p:transition spd="slow" p14:dur="2000" advClick="0" advTm="1000"/>
+      <p:transition spd="slow" p14:dur="2000" advClick="0" advTm="5000"/>
     </mc:Choice>
     <mc:Fallback>
-      <p:transition spd="slow" advClick="0" advTm="1000"/>
+      <p:transition spd="slow" advClick="0" advTm="5000"/>
     </mc:Fallback>
   </mc:AlternateContent>
 </p:sld>
@@ -4138,10 +4130,10 @@
   </p:clrMapOvr>
   <mc:AlternateContent xmlns:mc="http://schemas.openxmlformats.org/markup-compatibility/2006">
     <mc:Choice xmlns:p14="http://schemas.microsoft.com/office/powerpoint/2010/main" Requires="p14">
-      <p:transition spd="slow" p14:dur="2000" advClick="0" advTm="1000"/>
+      <p:transition spd="slow" p14:dur="2000" advClick="0" advTm="5000"/>
     </mc:Choice>
     <mc:Fallback>
-      <p:transition spd="slow" advClick="0" advTm="1000"/>
+      <p:transition spd="slow" advClick="0" advTm="5000"/>
     </mc:Fallback>
   </mc:AlternateContent>
 </p:sld>
@@ -4212,10 +4204,10 @@
   </p:clrMapOvr>
   <mc:AlternateContent xmlns:mc="http://schemas.openxmlformats.org/markup-compatibility/2006">
     <mc:Choice xmlns:p14="http://schemas.microsoft.com/office/powerpoint/2010/main" Requires="p14">
-      <p:transition spd="slow" p14:dur="2000" advTm="1000"/>
+      <p:transition spd="slow" p14:dur="2000" advTm="5000"/>
     </mc:Choice>
     <mc:Fallback>
-      <p:transition spd="slow" advTm="1000"/>
+      <p:transition spd="slow" advTm="5000"/>
     </mc:Fallback>
   </mc:AlternateContent>
 </p:sld>
@@ -4286,10 +4278,10 @@
   </p:clrMapOvr>
   <mc:AlternateContent xmlns:mc="http://schemas.openxmlformats.org/markup-compatibility/2006">
     <mc:Choice xmlns:p14="http://schemas.microsoft.com/office/powerpoint/2010/main" Requires="p14">
-      <p:transition spd="slow" p14:dur="2000" advTm="1000"/>
+      <p:transition spd="slow" p14:dur="2000" advTm="5000"/>
     </mc:Choice>
     <mc:Fallback>
-      <p:transition spd="slow" advTm="1000"/>
+      <p:transition spd="slow" advTm="5000"/>
     </mc:Fallback>
   </mc:AlternateContent>
 </p:sld>
@@ -4360,10 +4352,10 @@
   </p:clrMapOvr>
   <mc:AlternateContent xmlns:mc="http://schemas.openxmlformats.org/markup-compatibility/2006">
     <mc:Choice xmlns:p14="http://schemas.microsoft.com/office/powerpoint/2010/main" Requires="p14">
-      <p:transition spd="slow" p14:dur="2000" advTm="1000"/>
+      <p:transition spd="slow" p14:dur="2000" advTm="5000"/>
     </mc:Choice>
     <mc:Fallback>
-      <p:transition spd="slow" advTm="1000"/>
+      <p:transition spd="slow" advTm="5000"/>
     </mc:Fallback>
   </mc:AlternateContent>
 </p:sld>
@@ -4434,10 +4426,10 @@
   </p:clrMapOvr>
   <mc:AlternateContent xmlns:mc="http://schemas.openxmlformats.org/markup-compatibility/2006">
     <mc:Choice xmlns:p14="http://schemas.microsoft.com/office/powerpoint/2010/main" Requires="p14">
-      <p:transition spd="slow" p14:dur="2000" advTm="1000"/>
+      <p:transition spd="slow" p14:dur="2000" advTm="5000"/>
     </mc:Choice>
     <mc:Fallback>
-      <p:transition spd="slow" advTm="1000"/>
+      <p:transition spd="slow" advTm="5000"/>
     </mc:Fallback>
   </mc:AlternateContent>
 </p:sld>
@@ -4508,10 +4500,10 @@
   </p:clrMapOvr>
   <mc:AlternateContent xmlns:mc="http://schemas.openxmlformats.org/markup-compatibility/2006">
     <mc:Choice xmlns:p14="http://schemas.microsoft.com/office/powerpoint/2010/main" Requires="p14">
-      <p:transition spd="slow" p14:dur="2000" advClick="0" advTm="1000"/>
+      <p:transition spd="slow" p14:dur="2000" advClick="0" advTm="5000"/>
     </mc:Choice>
     <mc:Fallback>
-      <p:transition spd="slow" advClick="0" advTm="1000"/>
+      <p:transition spd="slow" advClick="0" advTm="5000"/>
     </mc:Fallback>
   </mc:AlternateContent>
 </p:sld>
@@ -4582,10 +4574,10 @@
   </p:clrMapOvr>
   <mc:AlternateContent xmlns:mc="http://schemas.openxmlformats.org/markup-compatibility/2006">
     <mc:Choice xmlns:p14="http://schemas.microsoft.com/office/powerpoint/2010/main" Requires="p14">
-      <p:transition spd="slow" p14:dur="2000" advTm="1000"/>
+      <p:transition spd="slow" p14:dur="2000" advTm="5000"/>
     </mc:Choice>
     <mc:Fallback>
-      <p:transition spd="slow" advTm="1000"/>
+      <p:transition spd="slow" advTm="5000"/>
     </mc:Fallback>
   </mc:AlternateContent>
 </p:sld>
@@ -4656,10 +4648,10 @@
   </p:clrMapOvr>
   <mc:AlternateContent xmlns:mc="http://schemas.openxmlformats.org/markup-compatibility/2006">
     <mc:Choice xmlns:p14="http://schemas.microsoft.com/office/powerpoint/2010/main" Requires="p14">
-      <p:transition spd="slow" p14:dur="2000" advClick="0" advTm="1000"/>
+      <p:transition spd="slow" p14:dur="2000" advClick="0" advTm="5000"/>
     </mc:Choice>
     <mc:Fallback>
-      <p:transition spd="slow" advClick="0" advTm="1000"/>
+      <p:transition spd="slow" advClick="0" advTm="5000"/>
     </mc:Fallback>
   </mc:AlternateContent>
 </p:sld>
@@ -4730,10 +4722,10 @@
   </p:clrMapOvr>
   <mc:AlternateContent xmlns:mc="http://schemas.openxmlformats.org/markup-compatibility/2006">
     <mc:Choice xmlns:p14="http://schemas.microsoft.com/office/powerpoint/2010/main" Requires="p14">
-      <p:transition spd="slow" p14:dur="2000" advTm="1000"/>
+      <p:transition spd="slow" p14:dur="2000" advTm="5000"/>
     </mc:Choice>
     <mc:Fallback>
-      <p:transition spd="slow" advTm="1000"/>
+      <p:transition spd="slow" advTm="5000"/>
     </mc:Fallback>
   </mc:AlternateContent>
 </p:sld>
@@ -4804,10 +4796,10 @@
   </p:clrMapOvr>
   <mc:AlternateContent xmlns:mc="http://schemas.openxmlformats.org/markup-compatibility/2006">
     <mc:Choice xmlns:p14="http://schemas.microsoft.com/office/powerpoint/2010/main" Requires="p14">
-      <p:transition spd="slow" p14:dur="2000" advClick="0" advTm="1000"/>
+      <p:transition spd="slow" p14:dur="2000" advClick="0" advTm="5000"/>
     </mc:Choice>
     <mc:Fallback>
-      <p:transition spd="slow" advClick="0" advTm="1000"/>
+      <p:transition spd="slow" advClick="0" advTm="5000"/>
     </mc:Fallback>
   </mc:AlternateContent>
 </p:sld>
@@ -4878,10 +4870,10 @@
   </p:clrMapOvr>
   <mc:AlternateContent xmlns:mc="http://schemas.openxmlformats.org/markup-compatibility/2006">
     <mc:Choice xmlns:p14="http://schemas.microsoft.com/office/powerpoint/2010/main" Requires="p14">
-      <p:transition spd="slow" p14:dur="2000" advTm="1000"/>
+      <p:transition spd="slow" p14:dur="2000" advTm="5000"/>
     </mc:Choice>
     <mc:Fallback>
-      <p:transition spd="slow" advTm="1000"/>
+      <p:transition spd="slow" advTm="5000"/>
     </mc:Fallback>
   </mc:AlternateContent>
 </p:sld>
@@ -4952,10 +4944,10 @@
   </p:clrMapOvr>
   <mc:AlternateContent xmlns:mc="http://schemas.openxmlformats.org/markup-compatibility/2006">
     <mc:Choice xmlns:p14="http://schemas.microsoft.com/office/powerpoint/2010/main" Requires="p14">
-      <p:transition spd="slow" p14:dur="2000" advTm="1000"/>
+      <p:transition spd="slow" p14:dur="2000" advTm="5000"/>
     </mc:Choice>
     <mc:Fallback>
-      <p:transition spd="slow" advTm="1000"/>
+      <p:transition spd="slow" advTm="5000"/>
     </mc:Fallback>
   </mc:AlternateContent>
 </p:sld>
@@ -5026,10 +5018,10 @@
   </p:clrMapOvr>
   <mc:AlternateContent xmlns:mc="http://schemas.openxmlformats.org/markup-compatibility/2006">
     <mc:Choice xmlns:p14="http://schemas.microsoft.com/office/powerpoint/2010/main" Requires="p14">
-      <p:transition spd="slow" p14:dur="2000" advTm="1000"/>
+      <p:transition spd="slow" p14:dur="2000" advTm="5000"/>
     </mc:Choice>
     <mc:Fallback>
-      <p:transition spd="slow" advTm="1000"/>
+      <p:transition spd="slow" advTm="5000"/>
     </mc:Fallback>
   </mc:AlternateContent>
 </p:sld>
@@ -5100,10 +5092,10 @@
   </p:clrMapOvr>
   <mc:AlternateContent xmlns:mc="http://schemas.openxmlformats.org/markup-compatibility/2006">
     <mc:Choice xmlns:p14="http://schemas.microsoft.com/office/powerpoint/2010/main" Requires="p14">
-      <p:transition spd="slow" p14:dur="2000" advTm="1000"/>
+      <p:transition spd="slow" p14:dur="2000" advTm="5000"/>
     </mc:Choice>
     <mc:Fallback>
-      <p:transition spd="slow" advTm="1000"/>
+      <p:transition spd="slow" advTm="5000"/>
     </mc:Fallback>
   </mc:AlternateContent>
 </p:sld>
@@ -5174,10 +5166,10 @@
   </p:clrMapOvr>
   <mc:AlternateContent xmlns:mc="http://schemas.openxmlformats.org/markup-compatibility/2006">
     <mc:Choice xmlns:p14="http://schemas.microsoft.com/office/powerpoint/2010/main" Requires="p14">
-      <p:transition spd="slow" p14:dur="2000" advClick="0" advTm="1000"/>
+      <p:transition spd="slow" p14:dur="2000" advClick="0" advTm="5000"/>
     </mc:Choice>
     <mc:Fallback>
-      <p:transition spd="slow" advClick="0" advTm="1000"/>
+      <p:transition spd="slow" advClick="0" advTm="5000"/>
     </mc:Fallback>
   </mc:AlternateContent>
 </p:sld>
@@ -5248,10 +5240,10 @@
   </p:clrMapOvr>
   <mc:AlternateContent xmlns:mc="http://schemas.openxmlformats.org/markup-compatibility/2006">
     <mc:Choice xmlns:p14="http://schemas.microsoft.com/office/powerpoint/2010/main" Requires="p14">
-      <p:transition spd="slow" p14:dur="2000" advTm="1000"/>
+      <p:transition spd="slow" p14:dur="2000" advTm="5000"/>
     </mc:Choice>
     <mc:Fallback>
-      <p:transition spd="slow" advTm="1000"/>
+      <p:transition spd="slow" advTm="5000"/>
     </mc:Fallback>
   </mc:AlternateContent>
 </p:sld>
@@ -5322,10 +5314,10 @@
   </p:clrMapOvr>
   <mc:AlternateContent xmlns:mc="http://schemas.openxmlformats.org/markup-compatibility/2006">
     <mc:Choice xmlns:p14="http://schemas.microsoft.com/office/powerpoint/2010/main" Requires="p14">
-      <p:transition spd="slow" p14:dur="2000" advClick="0" advTm="1000"/>
+      <p:transition spd="slow" p14:dur="2000" advClick="0" advTm="5000"/>
     </mc:Choice>
     <mc:Fallback>
-      <p:transition spd="slow" advClick="0" advTm="1000"/>
+      <p:transition spd="slow" advClick="0" advTm="5000"/>
     </mc:Fallback>
   </mc:AlternateContent>
 </p:sld>
@@ -5396,10 +5388,10 @@
   </p:clrMapOvr>
   <mc:AlternateContent xmlns:mc="http://schemas.openxmlformats.org/markup-compatibility/2006">
     <mc:Choice xmlns:p14="http://schemas.microsoft.com/office/powerpoint/2010/main" Requires="p14">
-      <p:transition spd="slow" p14:dur="2000" advTm="1000"/>
+      <p:transition spd="slow" p14:dur="2000" advTm="5000"/>
     </mc:Choice>
     <mc:Fallback>
-      <p:transition spd="slow" advTm="1000"/>
+      <p:transition spd="slow" advTm="5000"/>
     </mc:Fallback>
   </mc:AlternateContent>
 </p:sld>
@@ -5470,10 +5462,10 @@
   </p:clrMapOvr>
   <mc:AlternateContent xmlns:mc="http://schemas.openxmlformats.org/markup-compatibility/2006">
     <mc:Choice xmlns:p14="http://schemas.microsoft.com/office/powerpoint/2010/main" Requires="p14">
-      <p:transition spd="slow" p14:dur="2000" advClick="0" advTm="1000"/>
+      <p:transition spd="slow" p14:dur="2000" advClick="0" advTm="5000"/>
     </mc:Choice>
     <mc:Fallback>
-      <p:transition spd="slow" advClick="0" advTm="1000"/>
+      <p:transition spd="slow" advClick="0" advTm="5000"/>
     </mc:Fallback>
   </mc:AlternateContent>
 </p:sld>
@@ -5544,10 +5536,10 @@
   </p:clrMapOvr>
   <mc:AlternateContent xmlns:mc="http://schemas.openxmlformats.org/markup-compatibility/2006">
     <mc:Choice xmlns:p14="http://schemas.microsoft.com/office/powerpoint/2010/main" Requires="p14">
-      <p:transition spd="slow" p14:dur="2000" advTm="1000"/>
+      <p:transition spd="slow" p14:dur="2000" advTm="5000"/>
     </mc:Choice>
     <mc:Fallback>
-      <p:transition spd="slow" advTm="1000"/>
+      <p:transition spd="slow" advTm="5000"/>
     </mc:Fallback>
   </mc:AlternateContent>
 </p:sld>
